--- a/Project4_group5.pptx
+++ b/Project4_group5.pptx
@@ -10738,10 +10738,10 @@
       </p:sp>
       <p:pic>
         <p:nvPicPr>
-          <p:cNvPr id="11" name="Content Placeholder 10">
+          <p:cNvPr id="6" name="Content Placeholder 5">
             <a:extLst>
               <a:ext uri="{FF2B5EF4-FFF2-40B4-BE49-F238E27FC236}">
-                <a16:creationId xmlns:a16="http://schemas.microsoft.com/office/drawing/2014/main" id="{8AAF40CC-70CF-E24D-A08A-24A6536A1E2C}"/>
+                <a16:creationId xmlns:a16="http://schemas.microsoft.com/office/drawing/2014/main" id="{60EB22B6-18B4-E744-AB51-B490F1621F09}"/>
               </a:ext>
             </a:extLst>
           </p:cNvPr>
@@ -10766,8 +10766,8 @@
         </p:blipFill>
         <p:spPr>
           <a:xfrm>
-            <a:off x="914400" y="2688743"/>
-            <a:ext cx="10353675" cy="2509213"/>
+            <a:off x="59817" y="2323070"/>
+            <a:ext cx="12061715" cy="2622111"/>
           </a:xfrm>
         </p:spPr>
       </p:pic>
@@ -11321,8 +11321,8 @@
           </a:p>
         </p:txBody>
       </p:sp>
-      <mc:AlternateContent xmlns:mc="http://schemas.openxmlformats.org/markup-compatibility/2006">
-        <mc:Choice xmlns:a14="http://schemas.microsoft.com/office/drawing/2010/main" Requires="a14">
+      <mc:AlternateContent xmlns:mc="http://schemas.openxmlformats.org/markup-compatibility/2006" xmlns:a14="http://schemas.microsoft.com/office/drawing/2010/main">
+        <mc:Choice Requires="a14">
           <p:sp>
             <p:nvSpPr>
               <p:cNvPr id="3" name="Content Placeholder 2">
@@ -11842,7 +11842,7 @@
             </p:txBody>
           </p:sp>
         </mc:Choice>
-        <mc:Fallback>
+        <mc:Fallback xmlns="">
           <p:sp>
             <p:nvSpPr>
               <p:cNvPr id="3" name="Content Placeholder 2">
